--- a/Aario-PPT/IT - 会员等级公式.pptx
+++ b/Aario-PPT/IT - 会员等级公式.pptx
@@ -6,8 +6,13 @@
   </p:sldMasterIdLst>
   <p:sldIdLst>
     <p:sldId id="256" r:id="rId2"/>
-    <p:sldId id="257" r:id="rId3"/>
-    <p:sldId id="258" r:id="rId4"/>
+    <p:sldId id="260" r:id="rId3"/>
+    <p:sldId id="257" r:id="rId4"/>
+    <p:sldId id="259" r:id="rId5"/>
+    <p:sldId id="258" r:id="rId6"/>
+    <p:sldId id="261" r:id="rId7"/>
+    <p:sldId id="262" r:id="rId8"/>
+    <p:sldId id="263" r:id="rId9"/>
   </p:sldIdLst>
   <p:sldSz cx="9144000" cy="6858000" type="screen4x3"/>
   <p:notesSz cx="6858000" cy="9144000"/>
@@ -3113,6 +3118,72 @@
         </p:nvSpPr>
         <p:spPr>
           <a:xfrm>
+            <a:off x="3275856" y="2924944"/>
+            <a:ext cx="2736304" cy="584775"/>
+          </a:xfrm>
+          <a:prstGeom prst="rect">
+            <a:avLst/>
+          </a:prstGeom>
+          <a:noFill/>
+        </p:spPr>
+        <p:txBody>
+          <a:bodyPr wrap="square" rtlCol="0">
+            <a:spAutoFit/>
+          </a:bodyPr>
+          <a:lstStyle/>
+          <a:p>
+            <a:r>
+              <a:rPr lang="zh-CN" altLang="en-US" sz="3200" dirty="0" smtClean="0">
+                <a:latin typeface="Adobe 黑体 Std R" pitchFamily="34" charset="-122"/>
+                <a:ea typeface="Adobe 黑体 Std R" pitchFamily="34" charset="-122"/>
+              </a:rPr>
+              <a:t>普通会员等级</a:t>
+            </a:r>
+            <a:endParaRPr lang="zh-CN" altLang="en-US" sz="3200" dirty="0">
+              <a:latin typeface="Adobe 黑体 Std R" pitchFamily="34" charset="-122"/>
+              <a:ea typeface="Adobe 黑体 Std R" pitchFamily="34" charset="-122"/>
+            </a:endParaRPr>
+          </a:p>
+        </p:txBody>
+      </p:sp>
+    </p:spTree>
+    <p:extLst>
+      <p:ext uri="{BB962C8B-B14F-4D97-AF65-F5344CB8AC3E}">
+        <p14:creationId xmlns:p14="http://schemas.microsoft.com/office/powerpoint/2010/main" val="844552326"/>
+      </p:ext>
+    </p:extLst>
+  </p:cSld>
+  <p:clrMapOvr>
+    <a:masterClrMapping/>
+  </p:clrMapOvr>
+</p:sld>
+</file>
+
+<file path=ppt/slides/slide3.xml><?xml version="1.0" encoding="utf-8"?>
+<p:sld xmlns:a="http://schemas.openxmlformats.org/drawingml/2006/main" xmlns:r="http://schemas.openxmlformats.org/officeDocument/2006/relationships" xmlns:p="http://schemas.openxmlformats.org/presentationml/2006/main">
+  <p:cSld>
+    <p:spTree>
+      <p:nvGrpSpPr>
+        <p:cNvPr id="1" name=""/>
+        <p:cNvGrpSpPr/>
+        <p:nvPr/>
+      </p:nvGrpSpPr>
+      <p:grpSpPr>
+        <a:xfrm>
+          <a:off x="0" y="0"/>
+          <a:ext cx="0" cy="0"/>
+          <a:chOff x="0" y="0"/>
+          <a:chExt cx="0" cy="0"/>
+        </a:xfrm>
+      </p:grpSpPr>
+      <p:sp>
+        <p:nvSpPr>
+          <p:cNvPr id="4" name="TextBox 3"/>
+          <p:cNvSpPr txBox="1"/>
+          <p:nvPr/>
+        </p:nvSpPr>
+        <p:spPr>
+          <a:xfrm>
             <a:off x="971600" y="751828"/>
             <a:ext cx="3312368" cy="369332"/>
           </a:xfrm>
@@ -3158,7 +3229,7 @@
             <p:spPr>
               <a:xfrm>
                 <a:off x="971600" y="1772816"/>
-                <a:ext cx="2361096" cy="369332"/>
+                <a:ext cx="1767984" cy="369332"/>
               </a:xfrm>
               <a:prstGeom prst="rect">
                 <a:avLst/>
@@ -3170,39 +3241,13 @@
               </a:bodyPr>
               <a:lstStyle/>
               <a:p>
+                <a:pPr/>
                 <a14:m>
                   <m:oMathPara xmlns:m="http://schemas.openxmlformats.org/officeDocument/2006/math">
                     <m:oMathParaPr>
                       <m:jc m:val="centerGroup"/>
                     </m:oMathParaPr>
                     <m:oMath xmlns:m="http://schemas.openxmlformats.org/officeDocument/2006/math">
-                      <m:r>
-                        <a:rPr lang="en-US" altLang="zh-CN" b="0" i="1" smtClean="0">
-                          <a:solidFill>
-                            <a:prstClr val="black"/>
-                          </a:solidFill>
-                          <a:latin typeface="Cambria Math"/>
-                        </a:rPr>
-                        <m:t>𝑄𝑄</m:t>
-                      </m:r>
-                      <m:r>
-                        <a:rPr lang="zh-CN" altLang="en-US" b="0" i="1" smtClean="0">
-                          <a:solidFill>
-                            <a:prstClr val="black"/>
-                          </a:solidFill>
-                          <a:latin typeface="Cambria Math"/>
-                        </a:rPr>
-                        <m:t>：</m:t>
-                      </m:r>
-                      <m:r>
-                        <a:rPr lang="en-US" altLang="zh-CN" b="0" i="1" smtClean="0">
-                          <a:solidFill>
-                            <a:prstClr val="black"/>
-                          </a:solidFill>
-                          <a:latin typeface="Cambria Math"/>
-                        </a:rPr>
-                        <m:t> </m:t>
-                      </m:r>
                       <m:r>
                         <m:rPr>
                           <m:sty m:val="p"/>
@@ -3296,7 +3341,7 @@
             <p:spPr>
               <a:xfrm>
                 <a:off x="971600" y="1772816"/>
-                <a:ext cx="2361096" cy="369332"/>
+                <a:ext cx="1767984" cy="369332"/>
               </a:xfrm>
               <a:prstGeom prst="rect">
                 <a:avLst/>
@@ -3304,7 +3349,7 @@
               <a:blipFill rotWithShape="1">
                 <a:blip r:embed="rId2"/>
                 <a:stretch>
-                  <a:fillRect b="-10000"/>
+                  <a:fillRect/>
                 </a:stretch>
               </a:blipFill>
             </p:spPr>
@@ -3716,7 +3761,7 @@
 </p:sld>
 </file>
 
-<file path=ppt/slides/slide3.xml><?xml version="1.0" encoding="utf-8"?>
+<file path=ppt/slides/slide4.xml><?xml version="1.0" encoding="utf-8"?>
 <p:sld xmlns:a="http://schemas.openxmlformats.org/drawingml/2006/main" xmlns:r="http://schemas.openxmlformats.org/officeDocument/2006/relationships" xmlns:p="http://schemas.openxmlformats.org/presentationml/2006/main">
   <p:cSld>
     <p:spTree>
@@ -3756,6 +3801,465 @@
           <a:lstStyle/>
           <a:p>
             <a:r>
+              <a:rPr lang="zh-CN" altLang="en-US" b="1" dirty="0" smtClean="0"/>
+              <a:t>陌陌会员</a:t>
+            </a:r>
+            <a:r>
+              <a:rPr lang="zh-CN" altLang="en-US" b="1" dirty="0" smtClean="0"/>
+              <a:t>等级</a:t>
+            </a:r>
+            <a:endParaRPr lang="zh-CN" altLang="en-US" b="1" dirty="0"/>
+          </a:p>
+        </p:txBody>
+      </p:sp>
+      <mc:AlternateContent xmlns:mc="http://schemas.openxmlformats.org/markup-compatibility/2006">
+        <mc:Choice xmlns:a14="http://schemas.microsoft.com/office/drawing/2010/main" Requires="a14">
+          <p:sp>
+            <p:nvSpPr>
+              <p:cNvPr id="5" name="TextBox 4"/>
+              <p:cNvSpPr txBox="1"/>
+              <p:nvPr/>
+            </p:nvSpPr>
+            <p:spPr>
+              <a:xfrm>
+                <a:off x="1187624" y="2060848"/>
+                <a:ext cx="3783408" cy="369332"/>
+              </a:xfrm>
+              <a:prstGeom prst="rect">
+                <a:avLst/>
+              </a:prstGeom>
+              <a:noFill/>
+            </p:spPr>
+            <p:txBody>
+              <a:bodyPr wrap="none" rtlCol="0">
+                <a:spAutoFit/>
+              </a:bodyPr>
+              <a:lstStyle/>
+              <a:p>
+                <a14:m>
+                  <m:oMathPara xmlns:m="http://schemas.openxmlformats.org/officeDocument/2006/math">
+                    <m:oMathParaPr>
+                      <m:jc m:val="centerGroup"/>
+                    </m:oMathParaPr>
+                    <m:oMath xmlns:m="http://schemas.openxmlformats.org/officeDocument/2006/math">
+                      <m:r>
+                        <a:rPr lang="zh-CN" altLang="en-US" i="1" smtClean="0">
+                          <a:latin typeface="Cambria Math"/>
+                        </a:rPr>
+                        <m:t>分数</m:t>
+                      </m:r>
+                      <m:r>
+                        <a:rPr lang="en-US" altLang="zh-CN" b="0" i="1" smtClean="0">
+                          <a:latin typeface="Cambria Math"/>
+                        </a:rPr>
+                        <m:t>= </m:t>
+                      </m:r>
+                      <m:r>
+                        <a:rPr lang="zh-CN" altLang="en-US" i="1">
+                          <a:latin typeface="Cambria Math"/>
+                        </a:rPr>
+                        <m:t>活跃度</m:t>
+                      </m:r>
+                      <m:r>
+                        <a:rPr lang="en-US" altLang="zh-CN" b="0" i="1" smtClean="0">
+                          <a:latin typeface="Cambria Math"/>
+                        </a:rPr>
+                        <m:t>+ </m:t>
+                      </m:r>
+                      <m:r>
+                        <a:rPr lang="zh-CN" altLang="en-US" i="1">
+                          <a:latin typeface="Cambria Math"/>
+                        </a:rPr>
+                        <m:t>魅力值</m:t>
+                      </m:r>
+                      <m:r>
+                        <a:rPr lang="en-US" altLang="zh-CN" b="0" i="1" smtClean="0">
+                          <a:latin typeface="Cambria Math"/>
+                        </a:rPr>
+                        <m:t>+ </m:t>
+                      </m:r>
+                      <m:r>
+                        <a:rPr lang="zh-CN" altLang="en-US" i="1">
+                          <a:latin typeface="Cambria Math"/>
+                        </a:rPr>
+                        <m:t>财富</m:t>
+                      </m:r>
+                      <m:r>
+                        <a:rPr lang="zh-CN" altLang="en-US" b="0" i="1" smtClean="0">
+                          <a:latin typeface="Cambria Math"/>
+                        </a:rPr>
+                        <m:t>值</m:t>
+                      </m:r>
+                    </m:oMath>
+                  </m:oMathPara>
+                </a14:m>
+                <a:endParaRPr lang="zh-CN" altLang="en-US" dirty="0"/>
+              </a:p>
+            </p:txBody>
+          </p:sp>
+        </mc:Choice>
+        <mc:Fallback>
+          <p:sp>
+            <p:nvSpPr>
+              <p:cNvPr id="5" name="TextBox 4"/>
+              <p:cNvSpPr txBox="1">
+                <a:spLocks noRot="1" noChangeAspect="1" noMove="1" noResize="1" noEditPoints="1" noAdjustHandles="1" noChangeArrowheads="1" noChangeShapeType="1" noTextEdit="1"/>
+              </p:cNvSpPr>
+              <p:nvPr/>
+            </p:nvSpPr>
+            <p:spPr>
+              <a:xfrm>
+                <a:off x="1187624" y="2060848"/>
+                <a:ext cx="3783408" cy="369332"/>
+              </a:xfrm>
+              <a:prstGeom prst="rect">
+                <a:avLst/>
+              </a:prstGeom>
+              <a:blipFill rotWithShape="1">
+                <a:blip r:embed="rId2"/>
+                <a:stretch>
+                  <a:fillRect b="-4918"/>
+                </a:stretch>
+              </a:blipFill>
+            </p:spPr>
+            <p:txBody>
+              <a:bodyPr/>
+              <a:lstStyle/>
+              <a:p>
+                <a:r>
+                  <a:rPr lang="zh-CN" altLang="en-US">
+                    <a:noFill/>
+                  </a:rPr>
+                  <a:t> </a:t>
+                </a:r>
+              </a:p>
+            </p:txBody>
+          </p:sp>
+        </mc:Fallback>
+      </mc:AlternateContent>
+      <p:sp>
+        <p:nvSpPr>
+          <p:cNvPr id="6" name="TextBox 5"/>
+          <p:cNvSpPr txBox="1"/>
+          <p:nvPr/>
+        </p:nvSpPr>
+        <p:spPr>
+          <a:xfrm>
+            <a:off x="1183720" y="2852936"/>
+            <a:ext cx="2596192" cy="1569660"/>
+          </a:xfrm>
+          <a:prstGeom prst="rect">
+            <a:avLst/>
+          </a:prstGeom>
+          <a:noFill/>
+        </p:spPr>
+        <p:txBody>
+          <a:bodyPr wrap="square" rtlCol="0">
+            <a:spAutoFit/>
+          </a:bodyPr>
+          <a:lstStyle/>
+          <a:p>
+            <a:r>
+              <a:rPr lang="zh-CN" altLang="en-US" sz="1200" b="1" dirty="0" smtClean="0"/>
+              <a:t>活跃度：</a:t>
+            </a:r>
+            <a:endParaRPr lang="en-US" altLang="zh-CN" sz="1200" b="1" dirty="0" smtClean="0"/>
+          </a:p>
+          <a:p>
+            <a:r>
+              <a:rPr lang="zh-CN" altLang="en-US" sz="1200" dirty="0" smtClean="0"/>
+              <a:t>每日登录              </a:t>
+            </a:r>
+            <a:r>
+              <a:rPr lang="en-US" altLang="zh-CN" sz="1200" dirty="0" smtClean="0"/>
+              <a:t>+ 2</a:t>
+            </a:r>
+            <a:r>
+              <a:rPr lang="zh-CN" altLang="en-US" sz="1200" dirty="0" smtClean="0"/>
+              <a:t>，每日上限</a:t>
+            </a:r>
+            <a:r>
+              <a:rPr lang="en-US" altLang="zh-CN" sz="1200" dirty="0" smtClean="0"/>
+              <a:t>2</a:t>
+            </a:r>
+          </a:p>
+          <a:p>
+            <a:r>
+              <a:rPr lang="zh-CN" altLang="en-US" sz="1200" dirty="0" smtClean="0"/>
+              <a:t>每日在线</a:t>
+            </a:r>
+            <a:r>
+              <a:rPr lang="en-US" altLang="zh-CN" sz="1200" dirty="0" smtClean="0"/>
+              <a:t>30</a:t>
+            </a:r>
+            <a:r>
+              <a:rPr lang="zh-CN" altLang="en-US" sz="1200" dirty="0" smtClean="0"/>
+              <a:t>分钟 </a:t>
+            </a:r>
+            <a:r>
+              <a:rPr lang="en-US" altLang="zh-CN" sz="1200" dirty="0" smtClean="0"/>
+              <a:t>+ 4</a:t>
+            </a:r>
+            <a:r>
+              <a:rPr lang="zh-CN" altLang="en-US" sz="1200" dirty="0" smtClean="0"/>
+              <a:t>，每日上限</a:t>
+            </a:r>
+            <a:r>
+              <a:rPr lang="en-US" altLang="zh-CN" sz="1200" dirty="0" smtClean="0"/>
+              <a:t>8</a:t>
+            </a:r>
+          </a:p>
+          <a:p>
+            <a:r>
+              <a:rPr lang="zh-CN" altLang="en-US" sz="1200" dirty="0" smtClean="0"/>
+              <a:t>每日群组发言      </a:t>
+            </a:r>
+            <a:r>
+              <a:rPr lang="en-US" altLang="zh-CN" sz="1200" dirty="0" smtClean="0"/>
+              <a:t>+3</a:t>
+            </a:r>
+            <a:r>
+              <a:rPr lang="zh-CN" altLang="en-US" sz="1200" dirty="0"/>
+              <a:t>，</a:t>
+            </a:r>
+            <a:r>
+              <a:rPr lang="zh-CN" altLang="en-US" sz="1200" dirty="0" smtClean="0"/>
+              <a:t>每日上限</a:t>
+            </a:r>
+            <a:r>
+              <a:rPr lang="en-US" altLang="zh-CN" sz="1200" dirty="0" smtClean="0"/>
+              <a:t>3</a:t>
+            </a:r>
+          </a:p>
+          <a:p>
+            <a:r>
+              <a:rPr lang="en-US" altLang="zh-CN" sz="1200" dirty="0" smtClean="0"/>
+              <a:t>----------------------------------------------------</a:t>
+            </a:r>
+          </a:p>
+          <a:p>
+            <a:r>
+              <a:rPr lang="zh-CN" altLang="en-US" sz="1200" dirty="0" smtClean="0"/>
+              <a:t>个人资料完善度   </a:t>
+            </a:r>
+            <a:endParaRPr lang="en-US" altLang="zh-CN" sz="1200" dirty="0" smtClean="0"/>
+          </a:p>
+          <a:p>
+            <a:r>
+              <a:rPr lang="zh-CN" altLang="en-US" sz="1200" dirty="0" smtClean="0"/>
+              <a:t>绑定通讯录                                </a:t>
+            </a:r>
+            <a:r>
+              <a:rPr lang="en-US" altLang="zh-CN" sz="1200" dirty="0" smtClean="0"/>
+              <a:t>+ 10</a:t>
+            </a:r>
+          </a:p>
+          <a:p>
+            <a:r>
+              <a:rPr lang="zh-CN" altLang="en-US" sz="1200" dirty="0" smtClean="0"/>
+              <a:t>创建群组，且成员达到</a:t>
+            </a:r>
+            <a:r>
+              <a:rPr lang="en-US" altLang="zh-CN" sz="1200" dirty="0" smtClean="0"/>
+              <a:t>5</a:t>
+            </a:r>
+            <a:r>
+              <a:rPr lang="zh-CN" altLang="en-US" sz="1200" dirty="0" smtClean="0"/>
+              <a:t>人    </a:t>
+            </a:r>
+            <a:r>
+              <a:rPr lang="en-US" altLang="zh-CN" sz="1200" dirty="0" smtClean="0"/>
+              <a:t>+20</a:t>
+            </a:r>
+            <a:endParaRPr lang="zh-CN" altLang="en-US" sz="1200" dirty="0"/>
+          </a:p>
+        </p:txBody>
+      </p:sp>
+      <p:sp>
+        <p:nvSpPr>
+          <p:cNvPr id="8" name="TextBox 7"/>
+          <p:cNvSpPr txBox="1"/>
+          <p:nvPr/>
+        </p:nvSpPr>
+        <p:spPr>
+          <a:xfrm>
+            <a:off x="4860032" y="2888764"/>
+            <a:ext cx="2942500" cy="1569660"/>
+          </a:xfrm>
+          <a:prstGeom prst="rect">
+            <a:avLst/>
+          </a:prstGeom>
+          <a:noFill/>
+        </p:spPr>
+        <p:txBody>
+          <a:bodyPr wrap="square" rtlCol="0">
+            <a:spAutoFit/>
+          </a:bodyPr>
+          <a:lstStyle/>
+          <a:p>
+            <a:r>
+              <a:rPr lang="zh-CN" altLang="en-US" sz="1200" b="1" dirty="0" smtClean="0"/>
+              <a:t>魅力值：</a:t>
+            </a:r>
+            <a:endParaRPr lang="en-US" altLang="zh-CN" sz="1200" b="1" dirty="0" smtClean="0"/>
+          </a:p>
+          <a:p>
+            <a:r>
+              <a:rPr lang="zh-CN" altLang="en-US" sz="1200" dirty="0" smtClean="0"/>
+              <a:t>每收到一个招呼      </a:t>
+            </a:r>
+            <a:r>
+              <a:rPr lang="en-US" altLang="zh-CN" sz="1200" dirty="0" smtClean="0"/>
+              <a:t>+ 2</a:t>
+            </a:r>
+            <a:r>
+              <a:rPr lang="zh-CN" altLang="en-US" sz="1200" dirty="0" smtClean="0"/>
+              <a:t>，每日上限</a:t>
+            </a:r>
+            <a:r>
+              <a:rPr lang="en-US" altLang="zh-CN" sz="1200" dirty="0" smtClean="0"/>
+              <a:t>5</a:t>
+            </a:r>
+          </a:p>
+          <a:p>
+            <a:r>
+              <a:rPr lang="zh-CN" altLang="en-US" sz="1200" dirty="0" smtClean="0"/>
+              <a:t>招呼回复率增</a:t>
+            </a:r>
+            <a:r>
+              <a:rPr lang="en-US" altLang="zh-CN" sz="1200" dirty="0" smtClean="0"/>
+              <a:t>20%   + 1</a:t>
+            </a:r>
+            <a:r>
+              <a:rPr lang="zh-CN" altLang="en-US" sz="1200" dirty="0" smtClean="0"/>
+              <a:t>，每日上限</a:t>
+            </a:r>
+            <a:r>
+              <a:rPr lang="en-US" altLang="zh-CN" sz="1200" dirty="0" smtClean="0"/>
+              <a:t>2</a:t>
+            </a:r>
+            <a:r>
+              <a:rPr lang="zh-CN" altLang="en-US" sz="1200" dirty="0" smtClean="0"/>
+              <a:t>个人资料被一个人查看   </a:t>
+            </a:r>
+            <a:r>
+              <a:rPr lang="en-US" altLang="zh-CN" sz="1200" dirty="0" smtClean="0"/>
+              <a:t>+0.5</a:t>
+            </a:r>
+            <a:r>
+              <a:rPr lang="zh-CN" altLang="en-US" sz="1200" dirty="0" smtClean="0"/>
+              <a:t>，每日上限</a:t>
+            </a:r>
+            <a:r>
+              <a:rPr lang="en-US" altLang="zh-CN" sz="1200" dirty="0" smtClean="0"/>
+              <a:t>3</a:t>
+            </a:r>
+          </a:p>
+          <a:p>
+            <a:r>
+              <a:rPr lang="zh-CN" altLang="en-US" sz="1200" dirty="0" smtClean="0"/>
+              <a:t>动态被一个人查看  </a:t>
+            </a:r>
+            <a:r>
+              <a:rPr lang="en-US" altLang="zh-CN" sz="1200" dirty="0" smtClean="0"/>
+              <a:t>+0.5</a:t>
+            </a:r>
+            <a:r>
+              <a:rPr lang="zh-CN" altLang="en-US" sz="1200" dirty="0" smtClean="0"/>
+              <a:t>，每日上限</a:t>
+            </a:r>
+            <a:r>
+              <a:rPr lang="en-US" altLang="zh-CN" sz="1200" dirty="0" smtClean="0"/>
+              <a:t>3</a:t>
+            </a:r>
+          </a:p>
+          <a:p>
+            <a:r>
+              <a:rPr lang="en-US" altLang="zh-CN" sz="1200" dirty="0" smtClean="0"/>
+              <a:t>----------------------------------------------------</a:t>
+            </a:r>
+          </a:p>
+          <a:p>
+            <a:r>
+              <a:rPr lang="zh-CN" altLang="en-US" sz="1200" dirty="0" smtClean="0"/>
+              <a:t>个人资料完善度   </a:t>
+            </a:r>
+            <a:endParaRPr lang="en-US" altLang="zh-CN" sz="1200" dirty="0" smtClean="0"/>
+          </a:p>
+          <a:p>
+            <a:r>
+              <a:rPr lang="zh-CN" altLang="en-US" sz="1200" dirty="0" smtClean="0"/>
+              <a:t>累计获得</a:t>
+            </a:r>
+            <a:r>
+              <a:rPr lang="en-US" altLang="zh-CN" sz="1200" dirty="0" smtClean="0"/>
+              <a:t>10</a:t>
+            </a:r>
+            <a:r>
+              <a:rPr lang="zh-CN" altLang="en-US" sz="1200" dirty="0" smtClean="0"/>
+              <a:t>个好友                              </a:t>
+            </a:r>
+            <a:r>
+              <a:rPr lang="en-US" altLang="zh-CN" sz="1200" dirty="0" smtClean="0"/>
+              <a:t>+10</a:t>
+            </a:r>
+            <a:endParaRPr lang="zh-CN" altLang="en-US" sz="1200" dirty="0"/>
+          </a:p>
+        </p:txBody>
+      </p:sp>
+    </p:spTree>
+    <p:extLst>
+      <p:ext uri="{BB962C8B-B14F-4D97-AF65-F5344CB8AC3E}">
+        <p14:creationId xmlns:p14="http://schemas.microsoft.com/office/powerpoint/2010/main" val="1788351399"/>
+      </p:ext>
+    </p:extLst>
+  </p:cSld>
+  <p:clrMapOvr>
+    <a:masterClrMapping/>
+  </p:clrMapOvr>
+</p:sld>
+</file>
+
+<file path=ppt/slides/slide5.xml><?xml version="1.0" encoding="utf-8"?>
+<p:sld xmlns:a="http://schemas.openxmlformats.org/drawingml/2006/main" xmlns:r="http://schemas.openxmlformats.org/officeDocument/2006/relationships" xmlns:p="http://schemas.openxmlformats.org/presentationml/2006/main">
+  <p:cSld>
+    <p:spTree>
+      <p:nvGrpSpPr>
+        <p:cNvPr id="1" name=""/>
+        <p:cNvGrpSpPr/>
+        <p:nvPr/>
+      </p:nvGrpSpPr>
+      <p:grpSpPr>
+        <a:xfrm>
+          <a:off x="0" y="0"/>
+          <a:ext cx="0" cy="0"/>
+          <a:chOff x="0" y="0"/>
+          <a:chExt cx="0" cy="0"/>
+        </a:xfrm>
+      </p:grpSpPr>
+      <p:sp>
+        <p:nvSpPr>
+          <p:cNvPr id="4" name="TextBox 3"/>
+          <p:cNvSpPr txBox="1"/>
+          <p:nvPr/>
+        </p:nvSpPr>
+        <p:spPr>
+          <a:xfrm>
+            <a:off x="971600" y="751828"/>
+            <a:ext cx="3312368" cy="369332"/>
+          </a:xfrm>
+          <a:prstGeom prst="rect">
+            <a:avLst/>
+          </a:prstGeom>
+          <a:noFill/>
+        </p:spPr>
+        <p:txBody>
+          <a:bodyPr wrap="square" rtlCol="0">
+            <a:spAutoFit/>
+          </a:bodyPr>
+          <a:lstStyle/>
+          <a:p>
+            <a:r>
               <a:rPr lang="zh-CN" altLang="en-US" b="1" dirty="0"/>
               <a:t>京东</a:t>
             </a:r>
@@ -3844,11 +4348,7 @@
             </a:r>
             <a:r>
               <a:rPr lang="zh-CN" altLang="en-US" dirty="0" smtClean="0"/>
-              <a:t>砖石会员价、砖石礼包，</a:t>
-            </a:r>
-            <a:r>
-              <a:rPr lang="zh-CN" altLang="en-US" smtClean="0"/>
-              <a:t>退货运费</a:t>
+              <a:t>砖石会员价、砖石礼包，退货运费</a:t>
             </a:r>
             <a:endParaRPr lang="zh-CN" altLang="en-US" dirty="0"/>
           </a:p>
@@ -3858,6 +4358,364 @@
     <p:extLst>
       <p:ext uri="{BB962C8B-B14F-4D97-AF65-F5344CB8AC3E}">
         <p14:creationId xmlns:p14="http://schemas.microsoft.com/office/powerpoint/2010/main" val="385169162"/>
+      </p:ext>
+    </p:extLst>
+  </p:cSld>
+  <p:clrMapOvr>
+    <a:masterClrMapping/>
+  </p:clrMapOvr>
+</p:sld>
+</file>
+
+<file path=ppt/slides/slide6.xml><?xml version="1.0" encoding="utf-8"?>
+<p:sld xmlns:a="http://schemas.openxmlformats.org/drawingml/2006/main" xmlns:r="http://schemas.openxmlformats.org/officeDocument/2006/relationships" xmlns:p="http://schemas.openxmlformats.org/presentationml/2006/main">
+  <p:cSld>
+    <p:spTree>
+      <p:nvGrpSpPr>
+        <p:cNvPr id="1" name=""/>
+        <p:cNvGrpSpPr/>
+        <p:nvPr/>
+      </p:nvGrpSpPr>
+      <p:grpSpPr>
+        <a:xfrm>
+          <a:off x="0" y="0"/>
+          <a:ext cx="0" cy="0"/>
+          <a:chOff x="0" y="0"/>
+          <a:chExt cx="0" cy="0"/>
+        </a:xfrm>
+      </p:grpSpPr>
+      <p:sp>
+        <p:nvSpPr>
+          <p:cNvPr id="4" name="TextBox 3"/>
+          <p:cNvSpPr txBox="1"/>
+          <p:nvPr/>
+        </p:nvSpPr>
+        <p:spPr>
+          <a:xfrm>
+            <a:off x="3275856" y="2924944"/>
+            <a:ext cx="2736304" cy="584775"/>
+          </a:xfrm>
+          <a:prstGeom prst="rect">
+            <a:avLst/>
+          </a:prstGeom>
+          <a:noFill/>
+        </p:spPr>
+        <p:txBody>
+          <a:bodyPr wrap="square" rtlCol="0">
+            <a:spAutoFit/>
+          </a:bodyPr>
+          <a:lstStyle/>
+          <a:p>
+            <a:r>
+              <a:rPr lang="zh-CN" altLang="en-US" sz="3200" dirty="0">
+                <a:latin typeface="Adobe 黑体 Std R" pitchFamily="34" charset="-122"/>
+                <a:ea typeface="Adobe 黑体 Std R" pitchFamily="34" charset="-122"/>
+              </a:rPr>
+              <a:t>收费</a:t>
+            </a:r>
+            <a:r>
+              <a:rPr lang="zh-CN" altLang="en-US" sz="3200" dirty="0" smtClean="0">
+                <a:latin typeface="Adobe 黑体 Std R" pitchFamily="34" charset="-122"/>
+                <a:ea typeface="Adobe 黑体 Std R" pitchFamily="34" charset="-122"/>
+              </a:rPr>
+              <a:t>会员等级</a:t>
+            </a:r>
+            <a:endParaRPr lang="zh-CN" altLang="en-US" sz="3200" dirty="0">
+              <a:latin typeface="Adobe 黑体 Std R" pitchFamily="34" charset="-122"/>
+              <a:ea typeface="Adobe 黑体 Std R" pitchFamily="34" charset="-122"/>
+            </a:endParaRPr>
+          </a:p>
+        </p:txBody>
+      </p:sp>
+    </p:spTree>
+    <p:extLst>
+      <p:ext uri="{BB962C8B-B14F-4D97-AF65-F5344CB8AC3E}">
+        <p14:creationId xmlns:p14="http://schemas.microsoft.com/office/powerpoint/2010/main" val="1660626060"/>
+      </p:ext>
+    </p:extLst>
+  </p:cSld>
+  <p:clrMapOvr>
+    <a:masterClrMapping/>
+  </p:clrMapOvr>
+</p:sld>
+</file>
+
+<file path=ppt/slides/slide7.xml><?xml version="1.0" encoding="utf-8"?>
+<p:sld xmlns:a="http://schemas.openxmlformats.org/drawingml/2006/main" xmlns:r="http://schemas.openxmlformats.org/officeDocument/2006/relationships" xmlns:p="http://schemas.openxmlformats.org/presentationml/2006/main">
+  <p:cSld>
+    <p:spTree>
+      <p:nvGrpSpPr>
+        <p:cNvPr id="1" name=""/>
+        <p:cNvGrpSpPr/>
+        <p:nvPr/>
+      </p:nvGrpSpPr>
+      <p:grpSpPr>
+        <a:xfrm>
+          <a:off x="0" y="0"/>
+          <a:ext cx="0" cy="0"/>
+          <a:chOff x="0" y="0"/>
+          <a:chExt cx="0" cy="0"/>
+        </a:xfrm>
+      </p:grpSpPr>
+      <p:sp>
+        <p:nvSpPr>
+          <p:cNvPr id="4" name="TextBox 3"/>
+          <p:cNvSpPr txBox="1"/>
+          <p:nvPr/>
+        </p:nvSpPr>
+        <p:spPr>
+          <a:xfrm>
+            <a:off x="971600" y="751828"/>
+            <a:ext cx="3312368" cy="369332"/>
+          </a:xfrm>
+          <a:prstGeom prst="rect">
+            <a:avLst/>
+          </a:prstGeom>
+          <a:noFill/>
+        </p:spPr>
+        <p:txBody>
+          <a:bodyPr wrap="square" rtlCol="0">
+            <a:spAutoFit/>
+          </a:bodyPr>
+          <a:lstStyle/>
+          <a:p>
+            <a:r>
+              <a:rPr lang="en-US" altLang="zh-CN" b="1" dirty="0" smtClean="0"/>
+              <a:t>QQ</a:t>
+            </a:r>
+            <a:r>
+              <a:rPr lang="zh-CN" altLang="en-US" b="1" dirty="0" smtClean="0"/>
+              <a:t>收费会员</a:t>
+            </a:r>
+            <a:r>
+              <a:rPr lang="zh-CN" altLang="en-US" b="1" dirty="0" smtClean="0"/>
+              <a:t>等级</a:t>
+            </a:r>
+            <a:endParaRPr lang="zh-CN" altLang="en-US" b="1" dirty="0"/>
+          </a:p>
+        </p:txBody>
+      </p:sp>
+      <p:sp>
+        <p:nvSpPr>
+          <p:cNvPr id="7" name="TextBox 6"/>
+          <p:cNvSpPr txBox="1"/>
+          <p:nvPr/>
+        </p:nvSpPr>
+        <p:spPr>
+          <a:xfrm>
+            <a:off x="1115616" y="1556793"/>
+            <a:ext cx="6696744" cy="369332"/>
+          </a:xfrm>
+          <a:prstGeom prst="rect">
+            <a:avLst/>
+          </a:prstGeom>
+          <a:noFill/>
+        </p:spPr>
+        <p:txBody>
+          <a:bodyPr wrap="square" rtlCol="0">
+            <a:spAutoFit/>
+          </a:bodyPr>
+          <a:lstStyle/>
+          <a:p>
+            <a:r>
+              <a:rPr lang="zh-CN" altLang="en-US" dirty="0" smtClean="0"/>
+              <a:t>一个月</a:t>
+            </a:r>
+            <a:r>
+              <a:rPr lang="en-US" altLang="zh-CN" dirty="0" smtClean="0"/>
+              <a:t>20</a:t>
+            </a:r>
+            <a:r>
+              <a:rPr lang="zh-CN" altLang="en-US" dirty="0" smtClean="0"/>
+              <a:t>元</a:t>
+            </a:r>
+            <a:r>
+              <a:rPr lang="zh-CN" altLang="en-US" dirty="0"/>
+              <a:t> </a:t>
+            </a:r>
+            <a:r>
+              <a:rPr lang="zh-CN" altLang="en-US" dirty="0" smtClean="0"/>
+              <a:t>    可以创建</a:t>
+            </a:r>
+            <a:r>
+              <a:rPr lang="en-US" altLang="zh-CN" dirty="0" smtClean="0"/>
+              <a:t>2000</a:t>
+            </a:r>
+            <a:r>
+              <a:rPr lang="zh-CN" altLang="en-US" dirty="0" smtClean="0"/>
+              <a:t>人群</a:t>
+            </a:r>
+            <a:endParaRPr lang="en-US" altLang="zh-CN" dirty="0" smtClean="0"/>
+          </a:p>
+        </p:txBody>
+      </p:sp>
+    </p:spTree>
+    <p:extLst>
+      <p:ext uri="{BB962C8B-B14F-4D97-AF65-F5344CB8AC3E}">
+        <p14:creationId xmlns:p14="http://schemas.microsoft.com/office/powerpoint/2010/main" val="2456059048"/>
+      </p:ext>
+    </p:extLst>
+  </p:cSld>
+  <p:clrMapOvr>
+    <a:masterClrMapping/>
+  </p:clrMapOvr>
+</p:sld>
+</file>
+
+<file path=ppt/slides/slide8.xml><?xml version="1.0" encoding="utf-8"?>
+<p:sld xmlns:a="http://schemas.openxmlformats.org/drawingml/2006/main" xmlns:r="http://schemas.openxmlformats.org/officeDocument/2006/relationships" xmlns:p="http://schemas.openxmlformats.org/presentationml/2006/main">
+  <p:cSld>
+    <p:spTree>
+      <p:nvGrpSpPr>
+        <p:cNvPr id="1" name=""/>
+        <p:cNvGrpSpPr/>
+        <p:nvPr/>
+      </p:nvGrpSpPr>
+      <p:grpSpPr>
+        <a:xfrm>
+          <a:off x="0" y="0"/>
+          <a:ext cx="0" cy="0"/>
+          <a:chOff x="0" y="0"/>
+          <a:chExt cx="0" cy="0"/>
+        </a:xfrm>
+      </p:grpSpPr>
+      <p:sp>
+        <p:nvSpPr>
+          <p:cNvPr id="4" name="TextBox 3"/>
+          <p:cNvSpPr txBox="1"/>
+          <p:nvPr/>
+        </p:nvSpPr>
+        <p:spPr>
+          <a:xfrm>
+            <a:off x="971600" y="751828"/>
+            <a:ext cx="3312368" cy="369332"/>
+          </a:xfrm>
+          <a:prstGeom prst="rect">
+            <a:avLst/>
+          </a:prstGeom>
+          <a:noFill/>
+        </p:spPr>
+        <p:txBody>
+          <a:bodyPr wrap="square" rtlCol="0">
+            <a:spAutoFit/>
+          </a:bodyPr>
+          <a:lstStyle/>
+          <a:p>
+            <a:r>
+              <a:rPr lang="zh-CN" altLang="en-US" b="1" dirty="0" smtClean="0"/>
+              <a:t>陌陌收费会员</a:t>
+            </a:r>
+            <a:r>
+              <a:rPr lang="zh-CN" altLang="en-US" b="1" dirty="0" smtClean="0"/>
+              <a:t>等级</a:t>
+            </a:r>
+            <a:endParaRPr lang="zh-CN" altLang="en-US" b="1" dirty="0"/>
+          </a:p>
+        </p:txBody>
+      </p:sp>
+      <p:sp>
+        <p:nvSpPr>
+          <p:cNvPr id="7" name="TextBox 6"/>
+          <p:cNvSpPr txBox="1"/>
+          <p:nvPr/>
+        </p:nvSpPr>
+        <p:spPr>
+          <a:xfrm>
+            <a:off x="1115616" y="1556793"/>
+            <a:ext cx="6696744" cy="1200329"/>
+          </a:xfrm>
+          <a:prstGeom prst="rect">
+            <a:avLst/>
+          </a:prstGeom>
+          <a:noFill/>
+        </p:spPr>
+        <p:txBody>
+          <a:bodyPr wrap="square" rtlCol="0">
+            <a:spAutoFit/>
+          </a:bodyPr>
+          <a:lstStyle/>
+          <a:p>
+            <a:r>
+              <a:rPr lang="en-US" altLang="zh-CN" dirty="0" smtClean="0"/>
+              <a:t>1</a:t>
+            </a:r>
+            <a:r>
+              <a:rPr lang="zh-CN" altLang="en-US" dirty="0" smtClean="0"/>
+              <a:t>个月 </a:t>
+            </a:r>
+            <a:r>
+              <a:rPr lang="en-US" altLang="zh-CN" dirty="0" smtClean="0"/>
+              <a:t>12</a:t>
+            </a:r>
+            <a:r>
+              <a:rPr lang="zh-CN" altLang="en-US" dirty="0" smtClean="0"/>
+              <a:t>元</a:t>
+            </a:r>
+            <a:endParaRPr lang="en-US" altLang="zh-CN" dirty="0" smtClean="0"/>
+          </a:p>
+          <a:p>
+            <a:r>
+              <a:rPr lang="en-US" altLang="zh-CN" dirty="0" smtClean="0"/>
+              <a:t>3</a:t>
+            </a:r>
+            <a:r>
+              <a:rPr lang="zh-CN" altLang="en-US" dirty="0" smtClean="0"/>
+              <a:t>个月 </a:t>
+            </a:r>
+            <a:r>
+              <a:rPr lang="en-US" altLang="zh-CN" dirty="0" smtClean="0"/>
+              <a:t>30</a:t>
+            </a:r>
+            <a:r>
+              <a:rPr lang="zh-CN" altLang="en-US" dirty="0" smtClean="0"/>
+              <a:t>元</a:t>
+            </a:r>
+            <a:endParaRPr lang="en-US" altLang="zh-CN" dirty="0" smtClean="0"/>
+          </a:p>
+          <a:p>
+            <a:r>
+              <a:rPr lang="en-US" altLang="zh-CN" dirty="0" smtClean="0"/>
+              <a:t>6</a:t>
+            </a:r>
+            <a:r>
+              <a:rPr lang="zh-CN" altLang="en-US" dirty="0" smtClean="0"/>
+              <a:t>个月 </a:t>
+            </a:r>
+            <a:r>
+              <a:rPr lang="en-US" altLang="zh-CN" dirty="0" smtClean="0"/>
+              <a:t>60</a:t>
+            </a:r>
+            <a:r>
+              <a:rPr lang="zh-CN" altLang="en-US" dirty="0" smtClean="0"/>
+              <a:t>元</a:t>
+            </a:r>
+            <a:endParaRPr lang="en-US" altLang="zh-CN" dirty="0" smtClean="0"/>
+          </a:p>
+          <a:p>
+            <a:r>
+              <a:rPr lang="en-US" altLang="zh-CN" dirty="0" smtClean="0"/>
+              <a:t>12</a:t>
+            </a:r>
+            <a:r>
+              <a:rPr lang="zh-CN" altLang="en-US" dirty="0" smtClean="0"/>
+              <a:t>个月 </a:t>
+            </a:r>
+            <a:r>
+              <a:rPr lang="en-US" altLang="zh-CN" dirty="0" smtClean="0"/>
+              <a:t>108</a:t>
+            </a:r>
+            <a:r>
+              <a:rPr lang="zh-CN" altLang="en-US" dirty="0" smtClean="0"/>
+              <a:t>元</a:t>
+            </a:r>
+            <a:endParaRPr lang="zh-CN" altLang="en-US" dirty="0"/>
+          </a:p>
+        </p:txBody>
+      </p:sp>
+    </p:spTree>
+    <p:extLst>
+      <p:ext uri="{BB962C8B-B14F-4D97-AF65-F5344CB8AC3E}">
+        <p14:creationId xmlns:p14="http://schemas.microsoft.com/office/powerpoint/2010/main" val="1937836616"/>
       </p:ext>
     </p:extLst>
   </p:cSld>
